--- a/ppt 16-9/1091.进入迦南.pptx
+++ b/ppt 16-9/1091.进入迦南.pptx
@@ -129,7 +129,7 @@
           <p:cNvPr id="2" name="标题 1">
             <a:extLst>
               <a:ext uri="{FF2B5EF4-FFF2-40B4-BE49-F238E27FC236}">
-                <a16:creationId xmlns:a16="http://schemas.microsoft.com/office/drawing/2014/main" id="{29466DD8-DCC8-16D1-0867-14CD64F65FE1}"/>
+                <a16:creationId xmlns:a16="http://schemas.microsoft.com/office/drawing/2014/main" id="{0623D945-4C58-E566-0802-F44BDE236438}"/>
               </a:ext>
             </a:extLst>
           </p:cNvPr>
@@ -166,7 +166,7 @@
           <p:cNvPr id="3" name="副标题 2">
             <a:extLst>
               <a:ext uri="{FF2B5EF4-FFF2-40B4-BE49-F238E27FC236}">
-                <a16:creationId xmlns:a16="http://schemas.microsoft.com/office/drawing/2014/main" id="{07F6C479-7479-DC17-E1AE-88056A2A832B}"/>
+                <a16:creationId xmlns:a16="http://schemas.microsoft.com/office/drawing/2014/main" id="{9EAA50B2-2B73-D21F-B91F-D0BF9762606D}"/>
               </a:ext>
             </a:extLst>
           </p:cNvPr>
@@ -236,7 +236,7 @@
           <p:cNvPr id="4" name="日期占位符 3">
             <a:extLst>
               <a:ext uri="{FF2B5EF4-FFF2-40B4-BE49-F238E27FC236}">
-                <a16:creationId xmlns:a16="http://schemas.microsoft.com/office/drawing/2014/main" id="{D0D241D6-7476-13CA-D947-82525F7C5283}"/>
+                <a16:creationId xmlns:a16="http://schemas.microsoft.com/office/drawing/2014/main" id="{99704035-C390-92E7-EDD2-B2106E8FE3A0}"/>
               </a:ext>
             </a:extLst>
           </p:cNvPr>
@@ -252,7 +252,7 @@
           <a:bodyPr/>
           <a:lstStyle/>
           <a:p>
-            <a:fld id="{69698B56-C8B4-4FFC-ABED-45C4B0B312C1}" type="datetimeFigureOut">
+            <a:fld id="{9335D78C-59A2-4333-A626-C1E31FB2EBA4}" type="datetimeFigureOut">
               <a:rPr lang="zh-CN" altLang="en-US" smtClean="0"/>
               <a:t>2024/3/10</a:t>
             </a:fld>
@@ -265,7 +265,7 @@
           <p:cNvPr id="5" name="页脚占位符 4">
             <a:extLst>
               <a:ext uri="{FF2B5EF4-FFF2-40B4-BE49-F238E27FC236}">
-                <a16:creationId xmlns:a16="http://schemas.microsoft.com/office/drawing/2014/main" id="{E1355CF8-FEFB-058C-20E9-DF2D4B41378D}"/>
+                <a16:creationId xmlns:a16="http://schemas.microsoft.com/office/drawing/2014/main" id="{39444901-C8E1-E724-4870-D67F35D8869C}"/>
               </a:ext>
             </a:extLst>
           </p:cNvPr>
@@ -290,7 +290,7 @@
           <p:cNvPr id="6" name="灯片编号占位符 5">
             <a:extLst>
               <a:ext uri="{FF2B5EF4-FFF2-40B4-BE49-F238E27FC236}">
-                <a16:creationId xmlns:a16="http://schemas.microsoft.com/office/drawing/2014/main" id="{E5AF5431-A950-901F-86B6-5E25E86384EC}"/>
+                <a16:creationId xmlns:a16="http://schemas.microsoft.com/office/drawing/2014/main" id="{8529855E-CDEA-21B5-75A3-0840F4A4373B}"/>
               </a:ext>
             </a:extLst>
           </p:cNvPr>
@@ -306,7 +306,7 @@
           <a:bodyPr/>
           <a:lstStyle/>
           <a:p>
-            <a:fld id="{0A770466-3053-45CD-BEAD-31F14EF20905}" type="slidenum">
+            <a:fld id="{069B9E2A-5227-4B0C-A229-0DC6F1BAE270}" type="slidenum">
               <a:rPr lang="zh-CN" altLang="en-US" smtClean="0"/>
               <a:t>‹#›</a:t>
             </a:fld>
@@ -317,7 +317,7 @@
     </p:spTree>
     <p:extLst>
       <p:ext uri="{BB962C8B-B14F-4D97-AF65-F5344CB8AC3E}">
-        <p14:creationId xmlns:p14="http://schemas.microsoft.com/office/powerpoint/2010/main" val="2513853300"/>
+        <p14:creationId xmlns:p14="http://schemas.microsoft.com/office/powerpoint/2010/main" val="3325257419"/>
       </p:ext>
     </p:extLst>
   </p:cSld>
@@ -349,7 +349,7 @@
           <p:cNvPr id="2" name="标题 1">
             <a:extLst>
               <a:ext uri="{FF2B5EF4-FFF2-40B4-BE49-F238E27FC236}">
-                <a16:creationId xmlns:a16="http://schemas.microsoft.com/office/drawing/2014/main" id="{7ED83B58-4D57-4D2E-FAD5-96F6C9C28561}"/>
+                <a16:creationId xmlns:a16="http://schemas.microsoft.com/office/drawing/2014/main" id="{AF8DE4B4-0AE2-E2C3-6444-863E5C9758B1}"/>
               </a:ext>
             </a:extLst>
           </p:cNvPr>
@@ -377,7 +377,7 @@
           <p:cNvPr id="3" name="竖排文字占位符 2">
             <a:extLst>
               <a:ext uri="{FF2B5EF4-FFF2-40B4-BE49-F238E27FC236}">
-                <a16:creationId xmlns:a16="http://schemas.microsoft.com/office/drawing/2014/main" id="{27464603-447A-CB59-71A8-328283818D94}"/>
+                <a16:creationId xmlns:a16="http://schemas.microsoft.com/office/drawing/2014/main" id="{D832C0CC-CDFB-0556-A05F-91F1358656E8}"/>
               </a:ext>
             </a:extLst>
           </p:cNvPr>
@@ -434,7 +434,7 @@
           <p:cNvPr id="4" name="日期占位符 3">
             <a:extLst>
               <a:ext uri="{FF2B5EF4-FFF2-40B4-BE49-F238E27FC236}">
-                <a16:creationId xmlns:a16="http://schemas.microsoft.com/office/drawing/2014/main" id="{2DB18432-D4B3-9D24-F466-1497E45EACDA}"/>
+                <a16:creationId xmlns:a16="http://schemas.microsoft.com/office/drawing/2014/main" id="{392D437A-1AE4-A8D9-15D2-F0FA00A029A3}"/>
               </a:ext>
             </a:extLst>
           </p:cNvPr>
@@ -450,7 +450,7 @@
           <a:bodyPr/>
           <a:lstStyle/>
           <a:p>
-            <a:fld id="{69698B56-C8B4-4FFC-ABED-45C4B0B312C1}" type="datetimeFigureOut">
+            <a:fld id="{9335D78C-59A2-4333-A626-C1E31FB2EBA4}" type="datetimeFigureOut">
               <a:rPr lang="zh-CN" altLang="en-US" smtClean="0"/>
               <a:t>2024/3/10</a:t>
             </a:fld>
@@ -463,7 +463,7 @@
           <p:cNvPr id="5" name="页脚占位符 4">
             <a:extLst>
               <a:ext uri="{FF2B5EF4-FFF2-40B4-BE49-F238E27FC236}">
-                <a16:creationId xmlns:a16="http://schemas.microsoft.com/office/drawing/2014/main" id="{897DE4FD-AB8E-5166-C8CE-1EEF8D12800D}"/>
+                <a16:creationId xmlns:a16="http://schemas.microsoft.com/office/drawing/2014/main" id="{325C5B1E-C448-907B-7F5F-45C3958EBDD1}"/>
               </a:ext>
             </a:extLst>
           </p:cNvPr>
@@ -488,7 +488,7 @@
           <p:cNvPr id="6" name="灯片编号占位符 5">
             <a:extLst>
               <a:ext uri="{FF2B5EF4-FFF2-40B4-BE49-F238E27FC236}">
-                <a16:creationId xmlns:a16="http://schemas.microsoft.com/office/drawing/2014/main" id="{6BCE8769-EEA5-33B4-4ED2-D0E1C188931C}"/>
+                <a16:creationId xmlns:a16="http://schemas.microsoft.com/office/drawing/2014/main" id="{A558EEAC-FA82-8A49-5FF1-169FB3B10071}"/>
               </a:ext>
             </a:extLst>
           </p:cNvPr>
@@ -504,7 +504,7 @@
           <a:bodyPr/>
           <a:lstStyle/>
           <a:p>
-            <a:fld id="{0A770466-3053-45CD-BEAD-31F14EF20905}" type="slidenum">
+            <a:fld id="{069B9E2A-5227-4B0C-A229-0DC6F1BAE270}" type="slidenum">
               <a:rPr lang="zh-CN" altLang="en-US" smtClean="0"/>
               <a:t>‹#›</a:t>
             </a:fld>
@@ -515,7 +515,7 @@
     </p:spTree>
     <p:extLst>
       <p:ext uri="{BB962C8B-B14F-4D97-AF65-F5344CB8AC3E}">
-        <p14:creationId xmlns:p14="http://schemas.microsoft.com/office/powerpoint/2010/main" val="2653049568"/>
+        <p14:creationId xmlns:p14="http://schemas.microsoft.com/office/powerpoint/2010/main" val="1142170512"/>
       </p:ext>
     </p:extLst>
   </p:cSld>
@@ -547,7 +547,7 @@
           <p:cNvPr id="2" name="竖排标题 1">
             <a:extLst>
               <a:ext uri="{FF2B5EF4-FFF2-40B4-BE49-F238E27FC236}">
-                <a16:creationId xmlns:a16="http://schemas.microsoft.com/office/drawing/2014/main" id="{1B2D7648-2B4F-D334-9221-D6083DAACDA1}"/>
+                <a16:creationId xmlns:a16="http://schemas.microsoft.com/office/drawing/2014/main" id="{D9D07A08-8965-B98E-0471-AB696ECD0C5C}"/>
               </a:ext>
             </a:extLst>
           </p:cNvPr>
@@ -580,7 +580,7 @@
           <p:cNvPr id="3" name="竖排文字占位符 2">
             <a:extLst>
               <a:ext uri="{FF2B5EF4-FFF2-40B4-BE49-F238E27FC236}">
-                <a16:creationId xmlns:a16="http://schemas.microsoft.com/office/drawing/2014/main" id="{4BDEDC23-DBE4-EE1A-6283-3A44895BA934}"/>
+                <a16:creationId xmlns:a16="http://schemas.microsoft.com/office/drawing/2014/main" id="{6132EAB5-9F45-CB40-FB3D-F0A0BA64B095}"/>
               </a:ext>
             </a:extLst>
           </p:cNvPr>
@@ -642,7 +642,7 @@
           <p:cNvPr id="4" name="日期占位符 3">
             <a:extLst>
               <a:ext uri="{FF2B5EF4-FFF2-40B4-BE49-F238E27FC236}">
-                <a16:creationId xmlns:a16="http://schemas.microsoft.com/office/drawing/2014/main" id="{C2AD5F2A-893A-C644-9094-E0F00DF3D8CE}"/>
+                <a16:creationId xmlns:a16="http://schemas.microsoft.com/office/drawing/2014/main" id="{4AA452C2-E296-636C-95B4-96246399B1A3}"/>
               </a:ext>
             </a:extLst>
           </p:cNvPr>
@@ -658,7 +658,7 @@
           <a:bodyPr/>
           <a:lstStyle/>
           <a:p>
-            <a:fld id="{69698B56-C8B4-4FFC-ABED-45C4B0B312C1}" type="datetimeFigureOut">
+            <a:fld id="{9335D78C-59A2-4333-A626-C1E31FB2EBA4}" type="datetimeFigureOut">
               <a:rPr lang="zh-CN" altLang="en-US" smtClean="0"/>
               <a:t>2024/3/10</a:t>
             </a:fld>
@@ -671,7 +671,7 @@
           <p:cNvPr id="5" name="页脚占位符 4">
             <a:extLst>
               <a:ext uri="{FF2B5EF4-FFF2-40B4-BE49-F238E27FC236}">
-                <a16:creationId xmlns:a16="http://schemas.microsoft.com/office/drawing/2014/main" id="{ACAA7B42-C6E2-C7D0-AE3F-07BDCA121969}"/>
+                <a16:creationId xmlns:a16="http://schemas.microsoft.com/office/drawing/2014/main" id="{33E919CC-E4F6-1B4C-60B5-B4AA71EAB04E}"/>
               </a:ext>
             </a:extLst>
           </p:cNvPr>
@@ -696,7 +696,7 @@
           <p:cNvPr id="6" name="灯片编号占位符 5">
             <a:extLst>
               <a:ext uri="{FF2B5EF4-FFF2-40B4-BE49-F238E27FC236}">
-                <a16:creationId xmlns:a16="http://schemas.microsoft.com/office/drawing/2014/main" id="{68D9781D-C370-C3C8-AE30-B9AD96A55EB9}"/>
+                <a16:creationId xmlns:a16="http://schemas.microsoft.com/office/drawing/2014/main" id="{3A3DB0BD-6365-D332-A792-1F89DE24B3A1}"/>
               </a:ext>
             </a:extLst>
           </p:cNvPr>
@@ -712,7 +712,7 @@
           <a:bodyPr/>
           <a:lstStyle/>
           <a:p>
-            <a:fld id="{0A770466-3053-45CD-BEAD-31F14EF20905}" type="slidenum">
+            <a:fld id="{069B9E2A-5227-4B0C-A229-0DC6F1BAE270}" type="slidenum">
               <a:rPr lang="zh-CN" altLang="en-US" smtClean="0"/>
               <a:t>‹#›</a:t>
             </a:fld>
@@ -723,7 +723,7 @@
     </p:spTree>
     <p:extLst>
       <p:ext uri="{BB962C8B-B14F-4D97-AF65-F5344CB8AC3E}">
-        <p14:creationId xmlns:p14="http://schemas.microsoft.com/office/powerpoint/2010/main" val="330586049"/>
+        <p14:creationId xmlns:p14="http://schemas.microsoft.com/office/powerpoint/2010/main" val="1438482857"/>
       </p:ext>
     </p:extLst>
   </p:cSld>
@@ -755,7 +755,7 @@
           <p:cNvPr id="2" name="标题 1">
             <a:extLst>
               <a:ext uri="{FF2B5EF4-FFF2-40B4-BE49-F238E27FC236}">
-                <a16:creationId xmlns:a16="http://schemas.microsoft.com/office/drawing/2014/main" id="{1B27F9CB-9943-E0D6-8CCB-7E497FAD8725}"/>
+                <a16:creationId xmlns:a16="http://schemas.microsoft.com/office/drawing/2014/main" id="{B6E1C118-B52E-41FB-E30D-DDE601791C84}"/>
               </a:ext>
             </a:extLst>
           </p:cNvPr>
@@ -783,7 +783,7 @@
           <p:cNvPr id="3" name="内容占位符 2">
             <a:extLst>
               <a:ext uri="{FF2B5EF4-FFF2-40B4-BE49-F238E27FC236}">
-                <a16:creationId xmlns:a16="http://schemas.microsoft.com/office/drawing/2014/main" id="{213E0FAB-107E-A7D3-C30E-AC5903B82060}"/>
+                <a16:creationId xmlns:a16="http://schemas.microsoft.com/office/drawing/2014/main" id="{7E7D6B66-78E0-E5EB-A564-5394C46E8210}"/>
               </a:ext>
             </a:extLst>
           </p:cNvPr>
@@ -840,7 +840,7 @@
           <p:cNvPr id="4" name="日期占位符 3">
             <a:extLst>
               <a:ext uri="{FF2B5EF4-FFF2-40B4-BE49-F238E27FC236}">
-                <a16:creationId xmlns:a16="http://schemas.microsoft.com/office/drawing/2014/main" id="{C7DAD03F-8CEE-7DE9-D1DD-41D331D46956}"/>
+                <a16:creationId xmlns:a16="http://schemas.microsoft.com/office/drawing/2014/main" id="{A66FF891-E9EF-D9C0-8AC4-A8A64463511A}"/>
               </a:ext>
             </a:extLst>
           </p:cNvPr>
@@ -856,7 +856,7 @@
           <a:bodyPr/>
           <a:lstStyle/>
           <a:p>
-            <a:fld id="{69698B56-C8B4-4FFC-ABED-45C4B0B312C1}" type="datetimeFigureOut">
+            <a:fld id="{9335D78C-59A2-4333-A626-C1E31FB2EBA4}" type="datetimeFigureOut">
               <a:rPr lang="zh-CN" altLang="en-US" smtClean="0"/>
               <a:t>2024/3/10</a:t>
             </a:fld>
@@ -869,7 +869,7 @@
           <p:cNvPr id="5" name="页脚占位符 4">
             <a:extLst>
               <a:ext uri="{FF2B5EF4-FFF2-40B4-BE49-F238E27FC236}">
-                <a16:creationId xmlns:a16="http://schemas.microsoft.com/office/drawing/2014/main" id="{53C246D7-9C70-BA3A-E6E7-4B221C6F3298}"/>
+                <a16:creationId xmlns:a16="http://schemas.microsoft.com/office/drawing/2014/main" id="{0C827664-CF3B-D9F4-2D30-C77F8B63217C}"/>
               </a:ext>
             </a:extLst>
           </p:cNvPr>
@@ -894,7 +894,7 @@
           <p:cNvPr id="6" name="灯片编号占位符 5">
             <a:extLst>
               <a:ext uri="{FF2B5EF4-FFF2-40B4-BE49-F238E27FC236}">
-                <a16:creationId xmlns:a16="http://schemas.microsoft.com/office/drawing/2014/main" id="{F05F9EDD-5BB0-85B7-02FB-BE72470630DC}"/>
+                <a16:creationId xmlns:a16="http://schemas.microsoft.com/office/drawing/2014/main" id="{49A6B29D-92FF-F620-C119-26DCF7AD93D4}"/>
               </a:ext>
             </a:extLst>
           </p:cNvPr>
@@ -910,7 +910,7 @@
           <a:bodyPr/>
           <a:lstStyle/>
           <a:p>
-            <a:fld id="{0A770466-3053-45CD-BEAD-31F14EF20905}" type="slidenum">
+            <a:fld id="{069B9E2A-5227-4B0C-A229-0DC6F1BAE270}" type="slidenum">
               <a:rPr lang="zh-CN" altLang="en-US" smtClean="0"/>
               <a:t>‹#›</a:t>
             </a:fld>
@@ -921,7 +921,7 @@
     </p:spTree>
     <p:extLst>
       <p:ext uri="{BB962C8B-B14F-4D97-AF65-F5344CB8AC3E}">
-        <p14:creationId xmlns:p14="http://schemas.microsoft.com/office/powerpoint/2010/main" val="472329853"/>
+        <p14:creationId xmlns:p14="http://schemas.microsoft.com/office/powerpoint/2010/main" val="3267126631"/>
       </p:ext>
     </p:extLst>
   </p:cSld>
@@ -953,7 +953,7 @@
           <p:cNvPr id="2" name="标题 1">
             <a:extLst>
               <a:ext uri="{FF2B5EF4-FFF2-40B4-BE49-F238E27FC236}">
-                <a16:creationId xmlns:a16="http://schemas.microsoft.com/office/drawing/2014/main" id="{7C653879-5C49-D822-C950-EFA68B26EB05}"/>
+                <a16:creationId xmlns:a16="http://schemas.microsoft.com/office/drawing/2014/main" id="{130AA1DC-792D-02AA-7D5B-295201816370}"/>
               </a:ext>
             </a:extLst>
           </p:cNvPr>
@@ -990,7 +990,7 @@
           <p:cNvPr id="3" name="文本占位符 2">
             <a:extLst>
               <a:ext uri="{FF2B5EF4-FFF2-40B4-BE49-F238E27FC236}">
-                <a16:creationId xmlns:a16="http://schemas.microsoft.com/office/drawing/2014/main" id="{D9CFAC91-0A2A-32DF-81B3-767759448B0A}"/>
+                <a16:creationId xmlns:a16="http://schemas.microsoft.com/office/drawing/2014/main" id="{7723B3BF-3F3F-2504-733B-267D5E6DD9F3}"/>
               </a:ext>
             </a:extLst>
           </p:cNvPr>
@@ -1115,7 +1115,7 @@
           <p:cNvPr id="4" name="日期占位符 3">
             <a:extLst>
               <a:ext uri="{FF2B5EF4-FFF2-40B4-BE49-F238E27FC236}">
-                <a16:creationId xmlns:a16="http://schemas.microsoft.com/office/drawing/2014/main" id="{E0555235-D79B-0637-853A-65E22EAEFCD4}"/>
+                <a16:creationId xmlns:a16="http://schemas.microsoft.com/office/drawing/2014/main" id="{CA2FCAEC-5252-E163-14DA-3BC8278D87CF}"/>
               </a:ext>
             </a:extLst>
           </p:cNvPr>
@@ -1131,7 +1131,7 @@
           <a:bodyPr/>
           <a:lstStyle/>
           <a:p>
-            <a:fld id="{69698B56-C8B4-4FFC-ABED-45C4B0B312C1}" type="datetimeFigureOut">
+            <a:fld id="{9335D78C-59A2-4333-A626-C1E31FB2EBA4}" type="datetimeFigureOut">
               <a:rPr lang="zh-CN" altLang="en-US" smtClean="0"/>
               <a:t>2024/3/10</a:t>
             </a:fld>
@@ -1144,7 +1144,7 @@
           <p:cNvPr id="5" name="页脚占位符 4">
             <a:extLst>
               <a:ext uri="{FF2B5EF4-FFF2-40B4-BE49-F238E27FC236}">
-                <a16:creationId xmlns:a16="http://schemas.microsoft.com/office/drawing/2014/main" id="{62BEF2E1-ADE7-688D-AC7D-9126A3093382}"/>
+                <a16:creationId xmlns:a16="http://schemas.microsoft.com/office/drawing/2014/main" id="{B5E31119-FC59-ECBD-8B18-9480DE352585}"/>
               </a:ext>
             </a:extLst>
           </p:cNvPr>
@@ -1169,7 +1169,7 @@
           <p:cNvPr id="6" name="灯片编号占位符 5">
             <a:extLst>
               <a:ext uri="{FF2B5EF4-FFF2-40B4-BE49-F238E27FC236}">
-                <a16:creationId xmlns:a16="http://schemas.microsoft.com/office/drawing/2014/main" id="{EFAAF459-F27E-17F0-7DF3-C9506D03FFB4}"/>
+                <a16:creationId xmlns:a16="http://schemas.microsoft.com/office/drawing/2014/main" id="{C7732BE2-CA6A-7E9A-C9AD-E15A85AF1A0C}"/>
               </a:ext>
             </a:extLst>
           </p:cNvPr>
@@ -1185,7 +1185,7 @@
           <a:bodyPr/>
           <a:lstStyle/>
           <a:p>
-            <a:fld id="{0A770466-3053-45CD-BEAD-31F14EF20905}" type="slidenum">
+            <a:fld id="{069B9E2A-5227-4B0C-A229-0DC6F1BAE270}" type="slidenum">
               <a:rPr lang="zh-CN" altLang="en-US" smtClean="0"/>
               <a:t>‹#›</a:t>
             </a:fld>
@@ -1196,7 +1196,7 @@
     </p:spTree>
     <p:extLst>
       <p:ext uri="{BB962C8B-B14F-4D97-AF65-F5344CB8AC3E}">
-        <p14:creationId xmlns:p14="http://schemas.microsoft.com/office/powerpoint/2010/main" val="3332645759"/>
+        <p14:creationId xmlns:p14="http://schemas.microsoft.com/office/powerpoint/2010/main" val="3952595572"/>
       </p:ext>
     </p:extLst>
   </p:cSld>
@@ -1228,7 +1228,7 @@
           <p:cNvPr id="2" name="标题 1">
             <a:extLst>
               <a:ext uri="{FF2B5EF4-FFF2-40B4-BE49-F238E27FC236}">
-                <a16:creationId xmlns:a16="http://schemas.microsoft.com/office/drawing/2014/main" id="{B408F1A8-4019-4681-C9E0-11CFE5DD2CF7}"/>
+                <a16:creationId xmlns:a16="http://schemas.microsoft.com/office/drawing/2014/main" id="{E0553A79-CFAB-269C-2F3D-8C52C4806820}"/>
               </a:ext>
             </a:extLst>
           </p:cNvPr>
@@ -1256,7 +1256,7 @@
           <p:cNvPr id="3" name="内容占位符 2">
             <a:extLst>
               <a:ext uri="{FF2B5EF4-FFF2-40B4-BE49-F238E27FC236}">
-                <a16:creationId xmlns:a16="http://schemas.microsoft.com/office/drawing/2014/main" id="{5F7457BB-7164-D24C-BBD6-84273C7CDC3C}"/>
+                <a16:creationId xmlns:a16="http://schemas.microsoft.com/office/drawing/2014/main" id="{D961B286-8A94-8142-6F75-7A68ED12BA73}"/>
               </a:ext>
             </a:extLst>
           </p:cNvPr>
@@ -1318,7 +1318,7 @@
           <p:cNvPr id="4" name="内容占位符 3">
             <a:extLst>
               <a:ext uri="{FF2B5EF4-FFF2-40B4-BE49-F238E27FC236}">
-                <a16:creationId xmlns:a16="http://schemas.microsoft.com/office/drawing/2014/main" id="{F0A751B0-B31D-7568-E91B-576B0A0C99AF}"/>
+                <a16:creationId xmlns:a16="http://schemas.microsoft.com/office/drawing/2014/main" id="{6E27CD93-208C-466C-9677-17FDB9976B6C}"/>
               </a:ext>
             </a:extLst>
           </p:cNvPr>
@@ -1380,7 +1380,7 @@
           <p:cNvPr id="5" name="日期占位符 4">
             <a:extLst>
               <a:ext uri="{FF2B5EF4-FFF2-40B4-BE49-F238E27FC236}">
-                <a16:creationId xmlns:a16="http://schemas.microsoft.com/office/drawing/2014/main" id="{CD96181E-2A69-CEBD-8D78-68428184D820}"/>
+                <a16:creationId xmlns:a16="http://schemas.microsoft.com/office/drawing/2014/main" id="{434DE976-EAC6-055D-2070-32E72BDB6E9B}"/>
               </a:ext>
             </a:extLst>
           </p:cNvPr>
@@ -1396,7 +1396,7 @@
           <a:bodyPr/>
           <a:lstStyle/>
           <a:p>
-            <a:fld id="{69698B56-C8B4-4FFC-ABED-45C4B0B312C1}" type="datetimeFigureOut">
+            <a:fld id="{9335D78C-59A2-4333-A626-C1E31FB2EBA4}" type="datetimeFigureOut">
               <a:rPr lang="zh-CN" altLang="en-US" smtClean="0"/>
               <a:t>2024/3/10</a:t>
             </a:fld>
@@ -1409,7 +1409,7 @@
           <p:cNvPr id="6" name="页脚占位符 5">
             <a:extLst>
               <a:ext uri="{FF2B5EF4-FFF2-40B4-BE49-F238E27FC236}">
-                <a16:creationId xmlns:a16="http://schemas.microsoft.com/office/drawing/2014/main" id="{F23BDBB0-FD36-F324-DF24-7B02FBAEE0F9}"/>
+                <a16:creationId xmlns:a16="http://schemas.microsoft.com/office/drawing/2014/main" id="{CD4687C9-3A94-65F4-23C8-176E0EC39E49}"/>
               </a:ext>
             </a:extLst>
           </p:cNvPr>
@@ -1434,7 +1434,7 @@
           <p:cNvPr id="7" name="灯片编号占位符 6">
             <a:extLst>
               <a:ext uri="{FF2B5EF4-FFF2-40B4-BE49-F238E27FC236}">
-                <a16:creationId xmlns:a16="http://schemas.microsoft.com/office/drawing/2014/main" id="{C2F22BC7-0669-B91D-7242-8B18DA390903}"/>
+                <a16:creationId xmlns:a16="http://schemas.microsoft.com/office/drawing/2014/main" id="{E973682C-4AC4-2F8F-008C-21329170E603}"/>
               </a:ext>
             </a:extLst>
           </p:cNvPr>
@@ -1450,7 +1450,7 @@
           <a:bodyPr/>
           <a:lstStyle/>
           <a:p>
-            <a:fld id="{0A770466-3053-45CD-BEAD-31F14EF20905}" type="slidenum">
+            <a:fld id="{069B9E2A-5227-4B0C-A229-0DC6F1BAE270}" type="slidenum">
               <a:rPr lang="zh-CN" altLang="en-US" smtClean="0"/>
               <a:t>‹#›</a:t>
             </a:fld>
@@ -1461,7 +1461,7 @@
     </p:spTree>
     <p:extLst>
       <p:ext uri="{BB962C8B-B14F-4D97-AF65-F5344CB8AC3E}">
-        <p14:creationId xmlns:p14="http://schemas.microsoft.com/office/powerpoint/2010/main" val="3376780259"/>
+        <p14:creationId xmlns:p14="http://schemas.microsoft.com/office/powerpoint/2010/main" val="3145795299"/>
       </p:ext>
     </p:extLst>
   </p:cSld>
@@ -1493,7 +1493,7 @@
           <p:cNvPr id="2" name="标题 1">
             <a:extLst>
               <a:ext uri="{FF2B5EF4-FFF2-40B4-BE49-F238E27FC236}">
-                <a16:creationId xmlns:a16="http://schemas.microsoft.com/office/drawing/2014/main" id="{337BCC47-A4A5-C94F-2EE1-85005A9F0C04}"/>
+                <a16:creationId xmlns:a16="http://schemas.microsoft.com/office/drawing/2014/main" id="{19836A43-3095-925D-A824-57A339B8629D}"/>
               </a:ext>
             </a:extLst>
           </p:cNvPr>
@@ -1526,7 +1526,7 @@
           <p:cNvPr id="3" name="文本占位符 2">
             <a:extLst>
               <a:ext uri="{FF2B5EF4-FFF2-40B4-BE49-F238E27FC236}">
-                <a16:creationId xmlns:a16="http://schemas.microsoft.com/office/drawing/2014/main" id="{DDD5AA02-2483-1F0F-F848-8DB0B6D437ED}"/>
+                <a16:creationId xmlns:a16="http://schemas.microsoft.com/office/drawing/2014/main" id="{8D594864-B0D0-48A7-B458-07E51BD241BB}"/>
               </a:ext>
             </a:extLst>
           </p:cNvPr>
@@ -1597,7 +1597,7 @@
           <p:cNvPr id="4" name="内容占位符 3">
             <a:extLst>
               <a:ext uri="{FF2B5EF4-FFF2-40B4-BE49-F238E27FC236}">
-                <a16:creationId xmlns:a16="http://schemas.microsoft.com/office/drawing/2014/main" id="{A01CB00E-92AC-F441-A098-728EEC9CE36F}"/>
+                <a16:creationId xmlns:a16="http://schemas.microsoft.com/office/drawing/2014/main" id="{CB7778B6-3200-2E52-C4C6-0A9FE0559C1A}"/>
               </a:ext>
             </a:extLst>
           </p:cNvPr>
@@ -1659,7 +1659,7 @@
           <p:cNvPr id="5" name="文本占位符 4">
             <a:extLst>
               <a:ext uri="{FF2B5EF4-FFF2-40B4-BE49-F238E27FC236}">
-                <a16:creationId xmlns:a16="http://schemas.microsoft.com/office/drawing/2014/main" id="{7144803E-9220-F074-5A30-D9461E138C3C}"/>
+                <a16:creationId xmlns:a16="http://schemas.microsoft.com/office/drawing/2014/main" id="{F8F8F7C7-8289-F01C-2B90-8B10BC6ECB83}"/>
               </a:ext>
             </a:extLst>
           </p:cNvPr>
@@ -1730,7 +1730,7 @@
           <p:cNvPr id="6" name="内容占位符 5">
             <a:extLst>
               <a:ext uri="{FF2B5EF4-FFF2-40B4-BE49-F238E27FC236}">
-                <a16:creationId xmlns:a16="http://schemas.microsoft.com/office/drawing/2014/main" id="{AC2A2C08-C6A5-462B-8643-9BB225A7EC8C}"/>
+                <a16:creationId xmlns:a16="http://schemas.microsoft.com/office/drawing/2014/main" id="{EEA247CD-1748-DFF8-3A65-8EA01B3EF78F}"/>
               </a:ext>
             </a:extLst>
           </p:cNvPr>
@@ -1792,7 +1792,7 @@
           <p:cNvPr id="7" name="日期占位符 6">
             <a:extLst>
               <a:ext uri="{FF2B5EF4-FFF2-40B4-BE49-F238E27FC236}">
-                <a16:creationId xmlns:a16="http://schemas.microsoft.com/office/drawing/2014/main" id="{13F554E0-FB85-11C2-91CD-B522BFAD44F6}"/>
+                <a16:creationId xmlns:a16="http://schemas.microsoft.com/office/drawing/2014/main" id="{627BAF96-CCA4-9705-0CD4-3587F85A5285}"/>
               </a:ext>
             </a:extLst>
           </p:cNvPr>
@@ -1808,7 +1808,7 @@
           <a:bodyPr/>
           <a:lstStyle/>
           <a:p>
-            <a:fld id="{69698B56-C8B4-4FFC-ABED-45C4B0B312C1}" type="datetimeFigureOut">
+            <a:fld id="{9335D78C-59A2-4333-A626-C1E31FB2EBA4}" type="datetimeFigureOut">
               <a:rPr lang="zh-CN" altLang="en-US" smtClean="0"/>
               <a:t>2024/3/10</a:t>
             </a:fld>
@@ -1821,7 +1821,7 @@
           <p:cNvPr id="8" name="页脚占位符 7">
             <a:extLst>
               <a:ext uri="{FF2B5EF4-FFF2-40B4-BE49-F238E27FC236}">
-                <a16:creationId xmlns:a16="http://schemas.microsoft.com/office/drawing/2014/main" id="{BA74F748-6E9A-1B38-1089-49FB059ABF1F}"/>
+                <a16:creationId xmlns:a16="http://schemas.microsoft.com/office/drawing/2014/main" id="{89CDCF9F-5B93-9118-4E0F-4C1CB6BB4D87}"/>
               </a:ext>
             </a:extLst>
           </p:cNvPr>
@@ -1846,7 +1846,7 @@
           <p:cNvPr id="9" name="灯片编号占位符 8">
             <a:extLst>
               <a:ext uri="{FF2B5EF4-FFF2-40B4-BE49-F238E27FC236}">
-                <a16:creationId xmlns:a16="http://schemas.microsoft.com/office/drawing/2014/main" id="{076AB9DD-B290-3A2C-4842-CB407B679CD8}"/>
+                <a16:creationId xmlns:a16="http://schemas.microsoft.com/office/drawing/2014/main" id="{DC20B734-C1F3-5798-6FF4-293EDD5D9FC1}"/>
               </a:ext>
             </a:extLst>
           </p:cNvPr>
@@ -1862,7 +1862,7 @@
           <a:bodyPr/>
           <a:lstStyle/>
           <a:p>
-            <a:fld id="{0A770466-3053-45CD-BEAD-31F14EF20905}" type="slidenum">
+            <a:fld id="{069B9E2A-5227-4B0C-A229-0DC6F1BAE270}" type="slidenum">
               <a:rPr lang="zh-CN" altLang="en-US" smtClean="0"/>
               <a:t>‹#›</a:t>
             </a:fld>
@@ -1873,7 +1873,7 @@
     </p:spTree>
     <p:extLst>
       <p:ext uri="{BB962C8B-B14F-4D97-AF65-F5344CB8AC3E}">
-        <p14:creationId xmlns:p14="http://schemas.microsoft.com/office/powerpoint/2010/main" val="2867000746"/>
+        <p14:creationId xmlns:p14="http://schemas.microsoft.com/office/powerpoint/2010/main" val="1823944901"/>
       </p:ext>
     </p:extLst>
   </p:cSld>
@@ -1905,7 +1905,7 @@
           <p:cNvPr id="2" name="标题 1">
             <a:extLst>
               <a:ext uri="{FF2B5EF4-FFF2-40B4-BE49-F238E27FC236}">
-                <a16:creationId xmlns:a16="http://schemas.microsoft.com/office/drawing/2014/main" id="{8DA9D57D-DA0F-7A7E-B0DA-46BBD18CE2A3}"/>
+                <a16:creationId xmlns:a16="http://schemas.microsoft.com/office/drawing/2014/main" id="{A71596FC-F7D0-FEED-57AF-5678F48185CD}"/>
               </a:ext>
             </a:extLst>
           </p:cNvPr>
@@ -1933,7 +1933,7 @@
           <p:cNvPr id="3" name="日期占位符 2">
             <a:extLst>
               <a:ext uri="{FF2B5EF4-FFF2-40B4-BE49-F238E27FC236}">
-                <a16:creationId xmlns:a16="http://schemas.microsoft.com/office/drawing/2014/main" id="{B9B8CEF6-8935-701F-9708-53CFA4AC4A40}"/>
+                <a16:creationId xmlns:a16="http://schemas.microsoft.com/office/drawing/2014/main" id="{CF424CE8-1CFD-5B36-6A5A-F7DB3D25300B}"/>
               </a:ext>
             </a:extLst>
           </p:cNvPr>
@@ -1949,7 +1949,7 @@
           <a:bodyPr/>
           <a:lstStyle/>
           <a:p>
-            <a:fld id="{69698B56-C8B4-4FFC-ABED-45C4B0B312C1}" type="datetimeFigureOut">
+            <a:fld id="{9335D78C-59A2-4333-A626-C1E31FB2EBA4}" type="datetimeFigureOut">
               <a:rPr lang="zh-CN" altLang="en-US" smtClean="0"/>
               <a:t>2024/3/10</a:t>
             </a:fld>
@@ -1962,7 +1962,7 @@
           <p:cNvPr id="4" name="页脚占位符 3">
             <a:extLst>
               <a:ext uri="{FF2B5EF4-FFF2-40B4-BE49-F238E27FC236}">
-                <a16:creationId xmlns:a16="http://schemas.microsoft.com/office/drawing/2014/main" id="{99ADE397-7F20-8EAA-F6DF-741F2E3F00A6}"/>
+                <a16:creationId xmlns:a16="http://schemas.microsoft.com/office/drawing/2014/main" id="{DAD5C192-E221-8705-8DFF-0240A5D05343}"/>
               </a:ext>
             </a:extLst>
           </p:cNvPr>
@@ -1987,7 +1987,7 @@
           <p:cNvPr id="5" name="灯片编号占位符 4">
             <a:extLst>
               <a:ext uri="{FF2B5EF4-FFF2-40B4-BE49-F238E27FC236}">
-                <a16:creationId xmlns:a16="http://schemas.microsoft.com/office/drawing/2014/main" id="{C5130992-C5D9-A952-8A68-0BA1A70D834A}"/>
+                <a16:creationId xmlns:a16="http://schemas.microsoft.com/office/drawing/2014/main" id="{FB0F3C91-01B7-3019-2EC5-390FC786B252}"/>
               </a:ext>
             </a:extLst>
           </p:cNvPr>
@@ -2003,7 +2003,7 @@
           <a:bodyPr/>
           <a:lstStyle/>
           <a:p>
-            <a:fld id="{0A770466-3053-45CD-BEAD-31F14EF20905}" type="slidenum">
+            <a:fld id="{069B9E2A-5227-4B0C-A229-0DC6F1BAE270}" type="slidenum">
               <a:rPr lang="zh-CN" altLang="en-US" smtClean="0"/>
               <a:t>‹#›</a:t>
             </a:fld>
@@ -2014,7 +2014,7 @@
     </p:spTree>
     <p:extLst>
       <p:ext uri="{BB962C8B-B14F-4D97-AF65-F5344CB8AC3E}">
-        <p14:creationId xmlns:p14="http://schemas.microsoft.com/office/powerpoint/2010/main" val="3332118223"/>
+        <p14:creationId xmlns:p14="http://schemas.microsoft.com/office/powerpoint/2010/main" val="1825776874"/>
       </p:ext>
     </p:extLst>
   </p:cSld>
@@ -2046,7 +2046,7 @@
           <p:cNvPr id="2" name="日期占位符 1">
             <a:extLst>
               <a:ext uri="{FF2B5EF4-FFF2-40B4-BE49-F238E27FC236}">
-                <a16:creationId xmlns:a16="http://schemas.microsoft.com/office/drawing/2014/main" id="{6481DCD2-A2D0-996D-B759-F5786619785C}"/>
+                <a16:creationId xmlns:a16="http://schemas.microsoft.com/office/drawing/2014/main" id="{E4CABC84-FFA6-1814-769D-CE539668DDE8}"/>
               </a:ext>
             </a:extLst>
           </p:cNvPr>
@@ -2062,7 +2062,7 @@
           <a:bodyPr/>
           <a:lstStyle/>
           <a:p>
-            <a:fld id="{69698B56-C8B4-4FFC-ABED-45C4B0B312C1}" type="datetimeFigureOut">
+            <a:fld id="{9335D78C-59A2-4333-A626-C1E31FB2EBA4}" type="datetimeFigureOut">
               <a:rPr lang="zh-CN" altLang="en-US" smtClean="0"/>
               <a:t>2024/3/10</a:t>
             </a:fld>
@@ -2075,7 +2075,7 @@
           <p:cNvPr id="3" name="页脚占位符 2">
             <a:extLst>
               <a:ext uri="{FF2B5EF4-FFF2-40B4-BE49-F238E27FC236}">
-                <a16:creationId xmlns:a16="http://schemas.microsoft.com/office/drawing/2014/main" id="{8D348CA5-9D17-00EC-A8E7-9A5354B4524F}"/>
+                <a16:creationId xmlns:a16="http://schemas.microsoft.com/office/drawing/2014/main" id="{32FA9EF5-26B0-4018-8085-6E0D350CEBF3}"/>
               </a:ext>
             </a:extLst>
           </p:cNvPr>
@@ -2100,7 +2100,7 @@
           <p:cNvPr id="4" name="灯片编号占位符 3">
             <a:extLst>
               <a:ext uri="{FF2B5EF4-FFF2-40B4-BE49-F238E27FC236}">
-                <a16:creationId xmlns:a16="http://schemas.microsoft.com/office/drawing/2014/main" id="{47C0F056-3D10-67FE-1CDF-72583FFB1C90}"/>
+                <a16:creationId xmlns:a16="http://schemas.microsoft.com/office/drawing/2014/main" id="{AD3108CE-558F-9447-5207-D27E7FD71156}"/>
               </a:ext>
             </a:extLst>
           </p:cNvPr>
@@ -2116,7 +2116,7 @@
           <a:bodyPr/>
           <a:lstStyle/>
           <a:p>
-            <a:fld id="{0A770466-3053-45CD-BEAD-31F14EF20905}" type="slidenum">
+            <a:fld id="{069B9E2A-5227-4B0C-A229-0DC6F1BAE270}" type="slidenum">
               <a:rPr lang="zh-CN" altLang="en-US" smtClean="0"/>
               <a:t>‹#›</a:t>
             </a:fld>
@@ -2127,7 +2127,7 @@
     </p:spTree>
     <p:extLst>
       <p:ext uri="{BB962C8B-B14F-4D97-AF65-F5344CB8AC3E}">
-        <p14:creationId xmlns:p14="http://schemas.microsoft.com/office/powerpoint/2010/main" val="2929715601"/>
+        <p14:creationId xmlns:p14="http://schemas.microsoft.com/office/powerpoint/2010/main" val="4254674715"/>
       </p:ext>
     </p:extLst>
   </p:cSld>
@@ -2159,7 +2159,7 @@
           <p:cNvPr id="2" name="标题 1">
             <a:extLst>
               <a:ext uri="{FF2B5EF4-FFF2-40B4-BE49-F238E27FC236}">
-                <a16:creationId xmlns:a16="http://schemas.microsoft.com/office/drawing/2014/main" id="{D13907F0-5EFD-3101-BA9C-D0DA040ABF6C}"/>
+                <a16:creationId xmlns:a16="http://schemas.microsoft.com/office/drawing/2014/main" id="{DF1BC69E-F733-4E11-BEAE-2EBAA6434217}"/>
               </a:ext>
             </a:extLst>
           </p:cNvPr>
@@ -2196,7 +2196,7 @@
           <p:cNvPr id="3" name="内容占位符 2">
             <a:extLst>
               <a:ext uri="{FF2B5EF4-FFF2-40B4-BE49-F238E27FC236}">
-                <a16:creationId xmlns:a16="http://schemas.microsoft.com/office/drawing/2014/main" id="{91EDD1A0-3414-E31B-C77B-83FE1558F5C0}"/>
+                <a16:creationId xmlns:a16="http://schemas.microsoft.com/office/drawing/2014/main" id="{6A6126EB-306D-1760-74DC-2E1FB5023E20}"/>
               </a:ext>
             </a:extLst>
           </p:cNvPr>
@@ -2286,7 +2286,7 @@
           <p:cNvPr id="4" name="文本占位符 3">
             <a:extLst>
               <a:ext uri="{FF2B5EF4-FFF2-40B4-BE49-F238E27FC236}">
-                <a16:creationId xmlns:a16="http://schemas.microsoft.com/office/drawing/2014/main" id="{FE4DEBBC-D3FC-0E07-4EC5-80E2719BA440}"/>
+                <a16:creationId xmlns:a16="http://schemas.microsoft.com/office/drawing/2014/main" id="{26B19E25-A156-8845-3E8F-1FACD003CBBA}"/>
               </a:ext>
             </a:extLst>
           </p:cNvPr>
@@ -2357,7 +2357,7 @@
           <p:cNvPr id="5" name="日期占位符 4">
             <a:extLst>
               <a:ext uri="{FF2B5EF4-FFF2-40B4-BE49-F238E27FC236}">
-                <a16:creationId xmlns:a16="http://schemas.microsoft.com/office/drawing/2014/main" id="{BC1957A8-E2DA-0294-FCE0-410D9A6AB991}"/>
+                <a16:creationId xmlns:a16="http://schemas.microsoft.com/office/drawing/2014/main" id="{32DA4190-5E93-6826-1FF7-A0240715808B}"/>
               </a:ext>
             </a:extLst>
           </p:cNvPr>
@@ -2373,7 +2373,7 @@
           <a:bodyPr/>
           <a:lstStyle/>
           <a:p>
-            <a:fld id="{69698B56-C8B4-4FFC-ABED-45C4B0B312C1}" type="datetimeFigureOut">
+            <a:fld id="{9335D78C-59A2-4333-A626-C1E31FB2EBA4}" type="datetimeFigureOut">
               <a:rPr lang="zh-CN" altLang="en-US" smtClean="0"/>
               <a:t>2024/3/10</a:t>
             </a:fld>
@@ -2386,7 +2386,7 @@
           <p:cNvPr id="6" name="页脚占位符 5">
             <a:extLst>
               <a:ext uri="{FF2B5EF4-FFF2-40B4-BE49-F238E27FC236}">
-                <a16:creationId xmlns:a16="http://schemas.microsoft.com/office/drawing/2014/main" id="{7C62FDEE-C34A-CC2B-653D-CD1B56EFF815}"/>
+                <a16:creationId xmlns:a16="http://schemas.microsoft.com/office/drawing/2014/main" id="{5DE320B0-8C05-A387-CF70-720D6277D533}"/>
               </a:ext>
             </a:extLst>
           </p:cNvPr>
@@ -2411,7 +2411,7 @@
           <p:cNvPr id="7" name="灯片编号占位符 6">
             <a:extLst>
               <a:ext uri="{FF2B5EF4-FFF2-40B4-BE49-F238E27FC236}">
-                <a16:creationId xmlns:a16="http://schemas.microsoft.com/office/drawing/2014/main" id="{9CBB00E5-9378-AB0A-1EBA-A4926026ACF0}"/>
+                <a16:creationId xmlns:a16="http://schemas.microsoft.com/office/drawing/2014/main" id="{39A83518-2541-5314-7602-A4DE3D90657B}"/>
               </a:ext>
             </a:extLst>
           </p:cNvPr>
@@ -2427,7 +2427,7 @@
           <a:bodyPr/>
           <a:lstStyle/>
           <a:p>
-            <a:fld id="{0A770466-3053-45CD-BEAD-31F14EF20905}" type="slidenum">
+            <a:fld id="{069B9E2A-5227-4B0C-A229-0DC6F1BAE270}" type="slidenum">
               <a:rPr lang="zh-CN" altLang="en-US" smtClean="0"/>
               <a:t>‹#›</a:t>
             </a:fld>
@@ -2438,7 +2438,7 @@
     </p:spTree>
     <p:extLst>
       <p:ext uri="{BB962C8B-B14F-4D97-AF65-F5344CB8AC3E}">
-        <p14:creationId xmlns:p14="http://schemas.microsoft.com/office/powerpoint/2010/main" val="418380740"/>
+        <p14:creationId xmlns:p14="http://schemas.microsoft.com/office/powerpoint/2010/main" val="2599504032"/>
       </p:ext>
     </p:extLst>
   </p:cSld>
@@ -2470,7 +2470,7 @@
           <p:cNvPr id="2" name="标题 1">
             <a:extLst>
               <a:ext uri="{FF2B5EF4-FFF2-40B4-BE49-F238E27FC236}">
-                <a16:creationId xmlns:a16="http://schemas.microsoft.com/office/drawing/2014/main" id="{0558BA0F-84F5-62D8-0E3E-972826BD4B21}"/>
+                <a16:creationId xmlns:a16="http://schemas.microsoft.com/office/drawing/2014/main" id="{9AF28903-EB61-9F07-0EDC-E86060A722BE}"/>
               </a:ext>
             </a:extLst>
           </p:cNvPr>
@@ -2507,7 +2507,7 @@
           <p:cNvPr id="3" name="图片占位符 2">
             <a:extLst>
               <a:ext uri="{FF2B5EF4-FFF2-40B4-BE49-F238E27FC236}">
-                <a16:creationId xmlns:a16="http://schemas.microsoft.com/office/drawing/2014/main" id="{CEE07560-CE99-5F18-4B3B-09C11009B703}"/>
+                <a16:creationId xmlns:a16="http://schemas.microsoft.com/office/drawing/2014/main" id="{4D58623A-8FBF-C0A4-EFFE-39504E2DBC86}"/>
               </a:ext>
             </a:extLst>
           </p:cNvPr>
@@ -2574,7 +2574,7 @@
           <p:cNvPr id="4" name="文本占位符 3">
             <a:extLst>
               <a:ext uri="{FF2B5EF4-FFF2-40B4-BE49-F238E27FC236}">
-                <a16:creationId xmlns:a16="http://schemas.microsoft.com/office/drawing/2014/main" id="{342A7769-9641-8191-C6B4-1C49D7F94A58}"/>
+                <a16:creationId xmlns:a16="http://schemas.microsoft.com/office/drawing/2014/main" id="{622C8B87-DEF0-B165-7AE3-28586A477CC3}"/>
               </a:ext>
             </a:extLst>
           </p:cNvPr>
@@ -2645,7 +2645,7 @@
           <p:cNvPr id="5" name="日期占位符 4">
             <a:extLst>
               <a:ext uri="{FF2B5EF4-FFF2-40B4-BE49-F238E27FC236}">
-                <a16:creationId xmlns:a16="http://schemas.microsoft.com/office/drawing/2014/main" id="{2CA9F1DA-512B-AF9D-5DD0-196B4C527D77}"/>
+                <a16:creationId xmlns:a16="http://schemas.microsoft.com/office/drawing/2014/main" id="{8EA90EE7-700B-21E8-0D89-13F6EF9107F8}"/>
               </a:ext>
             </a:extLst>
           </p:cNvPr>
@@ -2661,7 +2661,7 @@
           <a:bodyPr/>
           <a:lstStyle/>
           <a:p>
-            <a:fld id="{69698B56-C8B4-4FFC-ABED-45C4B0B312C1}" type="datetimeFigureOut">
+            <a:fld id="{9335D78C-59A2-4333-A626-C1E31FB2EBA4}" type="datetimeFigureOut">
               <a:rPr lang="zh-CN" altLang="en-US" smtClean="0"/>
               <a:t>2024/3/10</a:t>
             </a:fld>
@@ -2674,7 +2674,7 @@
           <p:cNvPr id="6" name="页脚占位符 5">
             <a:extLst>
               <a:ext uri="{FF2B5EF4-FFF2-40B4-BE49-F238E27FC236}">
-                <a16:creationId xmlns:a16="http://schemas.microsoft.com/office/drawing/2014/main" id="{6CFA7723-85C5-F68D-0C58-1BF464D59C68}"/>
+                <a16:creationId xmlns:a16="http://schemas.microsoft.com/office/drawing/2014/main" id="{EF493085-EA01-7229-0CBD-EAEF26E49A45}"/>
               </a:ext>
             </a:extLst>
           </p:cNvPr>
@@ -2699,7 +2699,7 @@
           <p:cNvPr id="7" name="灯片编号占位符 6">
             <a:extLst>
               <a:ext uri="{FF2B5EF4-FFF2-40B4-BE49-F238E27FC236}">
-                <a16:creationId xmlns:a16="http://schemas.microsoft.com/office/drawing/2014/main" id="{52925A6D-ED4D-1899-2098-6CBC966FA682}"/>
+                <a16:creationId xmlns:a16="http://schemas.microsoft.com/office/drawing/2014/main" id="{7DD33D99-4375-AFC2-27A7-119F02EE8D3D}"/>
               </a:ext>
             </a:extLst>
           </p:cNvPr>
@@ -2715,7 +2715,7 @@
           <a:bodyPr/>
           <a:lstStyle/>
           <a:p>
-            <a:fld id="{0A770466-3053-45CD-BEAD-31F14EF20905}" type="slidenum">
+            <a:fld id="{069B9E2A-5227-4B0C-A229-0DC6F1BAE270}" type="slidenum">
               <a:rPr lang="zh-CN" altLang="en-US" smtClean="0"/>
               <a:t>‹#›</a:t>
             </a:fld>
@@ -2726,7 +2726,7 @@
     </p:spTree>
     <p:extLst>
       <p:ext uri="{BB962C8B-B14F-4D97-AF65-F5344CB8AC3E}">
-        <p14:creationId xmlns:p14="http://schemas.microsoft.com/office/powerpoint/2010/main" val="2541248622"/>
+        <p14:creationId xmlns:p14="http://schemas.microsoft.com/office/powerpoint/2010/main" val="794120247"/>
       </p:ext>
     </p:extLst>
   </p:cSld>
@@ -2763,7 +2763,7 @@
           <p:cNvPr id="2" name="标题占位符 1">
             <a:extLst>
               <a:ext uri="{FF2B5EF4-FFF2-40B4-BE49-F238E27FC236}">
-                <a16:creationId xmlns:a16="http://schemas.microsoft.com/office/drawing/2014/main" id="{212A4F5A-52E0-8C5E-9355-8B929FF29BBB}"/>
+                <a16:creationId xmlns:a16="http://schemas.microsoft.com/office/drawing/2014/main" id="{5AF70201-72BE-C4C9-B11C-385B7739A6ED}"/>
               </a:ext>
             </a:extLst>
           </p:cNvPr>
@@ -2801,7 +2801,7 @@
           <p:cNvPr id="3" name="文本占位符 2">
             <a:extLst>
               <a:ext uri="{FF2B5EF4-FFF2-40B4-BE49-F238E27FC236}">
-                <a16:creationId xmlns:a16="http://schemas.microsoft.com/office/drawing/2014/main" id="{176C2664-87CE-6F90-9CCB-F6DF505A9957}"/>
+                <a16:creationId xmlns:a16="http://schemas.microsoft.com/office/drawing/2014/main" id="{8BCB3650-A95F-DF99-9503-9181179FE2C1}"/>
               </a:ext>
             </a:extLst>
           </p:cNvPr>
@@ -2868,7 +2868,7 @@
           <p:cNvPr id="4" name="日期占位符 3">
             <a:extLst>
               <a:ext uri="{FF2B5EF4-FFF2-40B4-BE49-F238E27FC236}">
-                <a16:creationId xmlns:a16="http://schemas.microsoft.com/office/drawing/2014/main" id="{3DBCD42C-41B5-F1F4-99FD-4F5A0B0BF7B6}"/>
+                <a16:creationId xmlns:a16="http://schemas.microsoft.com/office/drawing/2014/main" id="{994A651B-FEF9-3B54-DC8E-FB0347E1F87B}"/>
               </a:ext>
             </a:extLst>
           </p:cNvPr>
@@ -2902,7 +2902,7 @@
             </a:lvl1pPr>
           </a:lstStyle>
           <a:p>
-            <a:fld id="{69698B56-C8B4-4FFC-ABED-45C4B0B312C1}" type="datetimeFigureOut">
+            <a:fld id="{9335D78C-59A2-4333-A626-C1E31FB2EBA4}" type="datetimeFigureOut">
               <a:rPr lang="zh-CN" altLang="en-US" smtClean="0"/>
               <a:t>2024/3/10</a:t>
             </a:fld>
@@ -2915,7 +2915,7 @@
           <p:cNvPr id="5" name="页脚占位符 4">
             <a:extLst>
               <a:ext uri="{FF2B5EF4-FFF2-40B4-BE49-F238E27FC236}">
-                <a16:creationId xmlns:a16="http://schemas.microsoft.com/office/drawing/2014/main" id="{EF19723E-3D51-49C9-064A-60E0774EA584}"/>
+                <a16:creationId xmlns:a16="http://schemas.microsoft.com/office/drawing/2014/main" id="{51ED28D8-8602-7636-535E-4513054F4427}"/>
               </a:ext>
             </a:extLst>
           </p:cNvPr>
@@ -2958,7 +2958,7 @@
           <p:cNvPr id="6" name="灯片编号占位符 5">
             <a:extLst>
               <a:ext uri="{FF2B5EF4-FFF2-40B4-BE49-F238E27FC236}">
-                <a16:creationId xmlns:a16="http://schemas.microsoft.com/office/drawing/2014/main" id="{0F140BEF-EBBF-9478-A3CB-34CC9F422F76}"/>
+                <a16:creationId xmlns:a16="http://schemas.microsoft.com/office/drawing/2014/main" id="{655B9DAC-25E9-4E7C-2211-1C4042CA11BE}"/>
               </a:ext>
             </a:extLst>
           </p:cNvPr>
@@ -2992,7 +2992,7 @@
             </a:lvl1pPr>
           </a:lstStyle>
           <a:p>
-            <a:fld id="{0A770466-3053-45CD-BEAD-31F14EF20905}" type="slidenum">
+            <a:fld id="{069B9E2A-5227-4B0C-A229-0DC6F1BAE270}" type="slidenum">
               <a:rPr lang="zh-CN" altLang="en-US" smtClean="0"/>
               <a:t>‹#›</a:t>
             </a:fld>
@@ -3003,7 +3003,7 @@
     </p:spTree>
     <p:extLst>
       <p:ext uri="{BB962C8B-B14F-4D97-AF65-F5344CB8AC3E}">
-        <p14:creationId xmlns:p14="http://schemas.microsoft.com/office/powerpoint/2010/main" val="4230791382"/>
+        <p14:creationId xmlns:p14="http://schemas.microsoft.com/office/powerpoint/2010/main" val="1898295496"/>
       </p:ext>
     </p:extLst>
   </p:cSld>
